--- a/lectures/SECURITY/slides/lecture05.pptx
+++ b/lectures/SECURITY/slides/lecture05.pptx
@@ -1520,7 +1520,7 @@
           <a:p>
             <a:pPr eaLnBrk="1" hangingPunct="1"/>
             <a:r>
-              <a:rPr lang="en-US" smtClean="0">
+              <a:rPr lang="en-US" dirty="0" smtClean="0">
                 <a:latin typeface="Arial" pitchFamily="34" charset="0"/>
               </a:rPr>
               <a:t>Stallings Figure 18.5 illustrates how these key rings are used in message transmission to implement the various PGP crypto services (ignoring compression and radix-64 conversion for simplicity). The sending PGP entity performs the following steps:   </a:t>
@@ -1529,7 +1529,7 @@
           <a:p>
             <a:pPr eaLnBrk="1" hangingPunct="1"/>
             <a:r>
-              <a:rPr lang="en-US" smtClean="0">
+              <a:rPr lang="en-US" dirty="0" smtClean="0">
                 <a:latin typeface="Arial" pitchFamily="34" charset="0"/>
               </a:rPr>
               <a:t>1. Signing the message:  </a:t>
@@ -1538,16 +1538,40 @@
           <a:p>
             <a:pPr eaLnBrk="1" hangingPunct="1"/>
             <a:r>
-              <a:rPr lang="en-US" smtClean="0">
+              <a:rPr lang="en-US" dirty="0" smtClean="0">
                 <a:latin typeface="Arial" pitchFamily="34" charset="0"/>
               </a:rPr>
-              <a:t>  a. PGP retrieves the sender's private key from the private-key ring using your_userid as an index. If your_userid was not provided in the command, the first private key on the ring is retrieved.  </a:t>
+              <a:t>  a. PGP retrieves the sender's private key from the private-key ring using </a:t>
+            </a:r>
+            <a:r>
+              <a:rPr lang="en-US" dirty="0" err="1" smtClean="0">
+                <a:latin typeface="Arial" pitchFamily="34" charset="0"/>
+              </a:rPr>
+              <a:t>your_userid</a:t>
+            </a:r>
+            <a:r>
+              <a:rPr lang="en-US" dirty="0" smtClean="0">
+                <a:latin typeface="Arial" pitchFamily="34" charset="0"/>
+              </a:rPr>
+              <a:t> as an index. If </a:t>
+            </a:r>
+            <a:r>
+              <a:rPr lang="en-US" dirty="0" err="1" smtClean="0">
+                <a:latin typeface="Arial" pitchFamily="34" charset="0"/>
+              </a:rPr>
+              <a:t>your_userid</a:t>
+            </a:r>
+            <a:r>
+              <a:rPr lang="en-US" dirty="0" smtClean="0">
+                <a:latin typeface="Arial" pitchFamily="34" charset="0"/>
+              </a:rPr>
+              <a:t> was not provided in the command, the first private key on the ring is retrieved.  </a:t>
             </a:r>
           </a:p>
           <a:p>
             <a:pPr eaLnBrk="1" hangingPunct="1"/>
             <a:r>
-              <a:rPr lang="en-US" smtClean="0">
+              <a:rPr lang="en-US" dirty="0" smtClean="0">
                 <a:latin typeface="Arial" pitchFamily="34" charset="0"/>
               </a:rPr>
               <a:t>  b. PGP prompts the user for the passphrase to recover the unencrypted private key. </a:t>
@@ -1556,7 +1580,7 @@
           <a:p>
             <a:pPr eaLnBrk="1" hangingPunct="1"/>
             <a:r>
-              <a:rPr lang="en-US" smtClean="0">
+              <a:rPr lang="en-US" dirty="0" smtClean="0">
                 <a:latin typeface="Arial" pitchFamily="34" charset="0"/>
               </a:rPr>
               <a:t>  c. The signature component of the message is constructed.  </a:t>
@@ -1565,7 +1589,7 @@
           <a:p>
             <a:pPr eaLnBrk="1" hangingPunct="1"/>
             <a:r>
-              <a:rPr lang="en-US" smtClean="0">
+              <a:rPr lang="en-US" dirty="0" smtClean="0">
                 <a:latin typeface="Arial" pitchFamily="34" charset="0"/>
               </a:rPr>
               <a:t>2. Encrypting the message:</a:t>
@@ -1574,7 +1598,7 @@
           <a:p>
             <a:pPr eaLnBrk="1" hangingPunct="1"/>
             <a:r>
-              <a:rPr lang="en-US" smtClean="0">
+              <a:rPr lang="en-US" dirty="0" smtClean="0">
                 <a:latin typeface="Arial" pitchFamily="34" charset="0"/>
               </a:rPr>
               <a:t>  a. PGP generates a session key and encrypts the message. </a:t>
@@ -1583,21 +1607,33 @@
           <a:p>
             <a:pPr eaLnBrk="1" hangingPunct="1"/>
             <a:r>
-              <a:rPr lang="en-US" smtClean="0">
+              <a:rPr lang="en-US" dirty="0" smtClean="0">
                 <a:latin typeface="Arial" pitchFamily="34" charset="0"/>
               </a:rPr>
-              <a:t>  b. PGP retrieves the recipient's public key from the public-key ring using her_userid as an index.</a:t>
+              <a:t>  b. PGP retrieves the recipient's public key from the public-key ring using </a:t>
+            </a:r>
+            <a:r>
+              <a:rPr lang="en-US" dirty="0" err="1" smtClean="0">
+                <a:latin typeface="Arial" pitchFamily="34" charset="0"/>
+              </a:rPr>
+              <a:t>her_userid</a:t>
+            </a:r>
+            <a:r>
+              <a:rPr lang="en-US" dirty="0" smtClean="0">
+                <a:latin typeface="Arial" pitchFamily="34" charset="0"/>
+              </a:rPr>
+              <a:t> as an index.</a:t>
             </a:r>
           </a:p>
           <a:p>
             <a:pPr eaLnBrk="1" hangingPunct="1"/>
             <a:r>
-              <a:rPr lang="en-US" smtClean="0">
+              <a:rPr lang="en-US" dirty="0" smtClean="0">
                 <a:latin typeface="Arial" pitchFamily="34" charset="0"/>
               </a:rPr>
               <a:t>  c. The session key component of the message is constructed. </a:t>
             </a:r>
-            <a:endParaRPr lang="en-AU" smtClean="0">
+            <a:endParaRPr lang="en-AU" dirty="0" smtClean="0">
               <a:latin typeface="Arial" pitchFamily="34" charset="0"/>
             </a:endParaRPr>
           </a:p>
@@ -2379,16 +2415,37 @@
           <a:p>
             <a:pPr eaLnBrk="1" hangingPunct="1"/>
             <a:r>
-              <a:rPr lang="en-US" smtClean="0">
+              <a:rPr lang="en-US" dirty="0" smtClean="0">
                 <a:latin typeface="Arial" pitchFamily="34" charset="0"/>
               </a:rPr>
-              <a:t>S/MIME uses a range of cryptographic algorithms, as shown. Support for SHA-1, DSS, RSA and Triple-DES is required, the rest should be provided for backwards compatibility of possible.</a:t>
-            </a:r>
+              <a:t>S/MIME uses a range of cryptographic algorithms, as shown. Support for SHA-1, DSS, RSA and Triple-DES is required, the rest should be provided for backwards compatibility of possible</a:t>
+            </a:r>
+            <a:r>
+              <a:rPr lang="en-US" dirty="0" smtClean="0">
+                <a:latin typeface="Arial" pitchFamily="34" charset="0"/>
+              </a:rPr>
+              <a:t>. </a:t>
+            </a:r>
+            <a:r>
+              <a:rPr lang="en-US" sz="1200" b="1" i="0" u="none" strike="noStrike" kern="1200" dirty="0" smtClean="0">
+                <a:solidFill>
+                  <a:schemeClr val="tx1"/>
+                </a:solidFill>
+                <a:effectLst/>
+                <a:latin typeface="Arial" pitchFamily="-107" charset="0"/>
+                <a:ea typeface="ＭＳ Ｐゴシック" pitchFamily="-107" charset="-128"/>
+                <a:cs typeface="ＭＳ Ｐゴシック" pitchFamily="-107" charset="-128"/>
+              </a:rPr>
+              <a:t>message authentication code (MAC)</a:t>
+            </a:r>
+            <a:endParaRPr lang="en-US" b="1" dirty="0" smtClean="0">
+              <a:latin typeface="Arial" pitchFamily="34" charset="0"/>
+            </a:endParaRPr>
           </a:p>
           <a:p>
             <a:pPr eaLnBrk="1" hangingPunct="1"/>
             <a:r>
-              <a:rPr lang="en-US" smtClean="0">
+              <a:rPr lang="en-US" dirty="0" smtClean="0">
                 <a:latin typeface="Arial" pitchFamily="34" charset="0"/>
               </a:rPr>
               <a:t>The S/MIME specification includes a discussion of the procedure for deciding which content encryption algorithm to use, based on the capabilities of all parties. To support this decision process, a sending agent may announce its decrypting capabilities in order of preference any message that it sends out. A receiving agent may store that information for future use. If a message is to be sent to multiple recipients and a common encryption algorithm cannot be selected for all, then the sending agent will need to send two messages. However, in that case, it is important to note that the security of the message is made vulnerable by the transmission of one copy with lower security. </a:t>
@@ -2486,10 +2543,40 @@
           <a:p>
             <a:pPr eaLnBrk="1" hangingPunct="1"/>
             <a:r>
-              <a:rPr lang="en-US" smtClean="0">
+              <a:rPr lang="en-US" sz="1200" b="1" i="0" u="none" strike="noStrike" kern="1200" dirty="0" smtClean="0">
+                <a:solidFill>
+                  <a:schemeClr val="tx1"/>
+                </a:solidFill>
+                <a:effectLst/>
+                <a:latin typeface="Arial" pitchFamily="-107" charset="0"/>
+                <a:ea typeface="ＭＳ Ｐゴシック" pitchFamily="-107" charset="-128"/>
+                <a:cs typeface="ＭＳ Ｐゴシック" pitchFamily="-107" charset="-128"/>
+              </a:rPr>
+              <a:t>PKCS</a:t>
+            </a:r>
+            <a:r>
+              <a:rPr lang="en-US" sz="1200" b="0" i="0" u="none" strike="noStrike" kern="1200" dirty="0" smtClean="0">
+                <a:solidFill>
+                  <a:schemeClr val="tx1"/>
+                </a:solidFill>
+                <a:effectLst/>
+                <a:latin typeface="Arial" pitchFamily="-107" charset="0"/>
+                <a:ea typeface="ＭＳ Ｐゴシック" pitchFamily="-107" charset="-128"/>
+                <a:cs typeface="ＭＳ Ｐゴシック" pitchFamily="-107" charset="-128"/>
+              </a:rPr>
+              <a:t> stands for "Public Key Cryptography Standards”. </a:t>
+            </a:r>
+            <a:r>
+              <a:rPr lang="en-US" dirty="0" smtClean="0">
                 <a:latin typeface="Arial" pitchFamily="34" charset="0"/>
               </a:rPr>
-              <a:t>S/MIME secures a MIME entity with a signature, encryption, or both. A MIME entity may be an entire message or one or more of the subparts of the message. The MIME entity plus some security related data, such as algorithm identifiers and certificates, are processed by S/MIME to produce a PKCS, which refers to a set of public-key cryptography specifications issued by RSA Laboratories. A PKCS object is then treated as message content and wrapped in MIME. A range of S/MIME content-types are specified, as shown. See text for details of how these are used.</a:t>
+              <a:t>S/MIME </a:t>
+            </a:r>
+            <a:r>
+              <a:rPr lang="en-US" dirty="0" smtClean="0">
+                <a:latin typeface="Arial" pitchFamily="34" charset="0"/>
+              </a:rPr>
+              <a:t>secures a MIME entity with a signature, encryption, or both. A MIME entity may be an entire message or one or more of the subparts of the message. The MIME entity plus some security related data, such as algorithm identifiers and certificates, are processed by S/MIME to produce a PKCS, which refers to a set of public-key cryptography specifications issued by RSA Laboratories. A PKCS object is then treated as message content and wrapped in MIME. A range of S/MIME content-types are specified, as shown. See text for details of how these are used.</a:t>
             </a:r>
           </a:p>
         </p:txBody>
@@ -3345,7 +3432,7 @@
           <a:lstStyle/>
           <a:p>
             <a:r>
-              <a:rPr lang="en-US" smtClean="0">
+              <a:rPr lang="en-US" dirty="0" smtClean="0">
                 <a:latin typeface="Arial" pitchFamily="34" charset="0"/>
               </a:rPr>
               <a:t>DKIM is designed to provide an email authentication technique transparent to the end user. In essence, a user's email message is signed by a private key of the administrative domain from which the email originates. The signature covers all of the content of the message and some of the RFC 5322 message headers. At the receiving end, the MDA can access the corresponding public key via a DNS and verify the signature, thus authenticating that the message comes from the claimed administrative domain. Thus, mail that originates from somewhere else but claims to come from a given domain will not pass the authentication test and can be rejected. This approach differs from that of S/MIME and PGP, which use the originator's private key to sign the content of the message, for various pragmatic reasons (see text). </a:t>
@@ -3353,10 +3440,22 @@
           </a:p>
           <a:p>
             <a:r>
-              <a:rPr lang="en-US" smtClean="0">
+              <a:rPr lang="en-US" dirty="0" smtClean="0">
                 <a:latin typeface="Arial" pitchFamily="34" charset="0"/>
               </a:rPr>
-              <a:t>Stallings Figure 18.10 shows a simple example of the operation of DKIM. An email message is generated by an email client program. The content of the message, plus selected RFC 5322 headers, is signed by the email provider using the provider's private key. The signer is associated with a domain, which could be a corporate local network, an ISP, or a public email facility such as gmail. The signed message then passes through the Internet via a sequence of MTAs. At the destination, the MDA retrieves the public key for the incoming signature and verifies the signature before passing the message on to the destination email client. The default signing algorithm is RSA with SHA-256. RSA with SHA-1 may also be used. </a:t>
+              <a:t>Stallings Figure 18.10 shows a simple example of the operation of DKIM. An email message is generated by an email client program. The content of the message, plus selected RFC 5322 headers, is signed by the email provider using the provider's private key. The signer is associated with a domain, which could be a corporate local network, an ISP, or a public email facility such as </a:t>
+            </a:r>
+            <a:r>
+              <a:rPr lang="en-US" dirty="0" err="1" smtClean="0">
+                <a:latin typeface="Arial" pitchFamily="34" charset="0"/>
+              </a:rPr>
+              <a:t>gmail</a:t>
+            </a:r>
+            <a:r>
+              <a:rPr lang="en-US" dirty="0" smtClean="0">
+                <a:latin typeface="Arial" pitchFamily="34" charset="0"/>
+              </a:rPr>
+              <a:t>. The signed message then passes through the Internet via a sequence of MTAs. At the destination, the MDA retrieves the public key for the incoming signature and verifies the signature before passing the message on to the destination email client. The default signing algorithm is RSA with SHA-256. RSA with SHA-1 may also be used. </a:t>
             </a:r>
           </a:p>
         </p:txBody>
@@ -3450,18 +3549,42 @@
           <a:lstStyle/>
           <a:p>
             <a:r>
-              <a:rPr lang="en-US" smtClean="0">
+              <a:rPr lang="en-US" dirty="0" smtClean="0">
                 <a:latin typeface="Arial" pitchFamily="34" charset="0"/>
               </a:rPr>
-              <a:t>Stallings Figure 18.11 provides a more detailed look at the elements of DKIM operation. Basic message processing is divided between a signing Administrative Management Domain (ADMD) and a verifying ADMD. Signing is performed by an authorized module within the signing ADMD and uses private information from a Key Store. Verifying is performed by an authorized module within the verifying ADMD. The module verifies the signature or determines whether a particular signature was required. Verifying the signature uses public information from the Key Store. If the signature passes, reputation information is used to assess the signer and that information is passed to the message filtering system. If the signature fails or there is no signature using the author's domain, information about signing practices related to the author can be retrieved remotely and/or locally, and that information is passed to the message filtering system. </a:t>
-            </a:r>
-          </a:p>
-          <a:p>
-            <a:r>
-              <a:rPr lang="en-US" smtClean="0">
+              <a:t>Stallings Figure 18.11 provides a more detailed look at the elements of DKIM operation. Basic message processing is divided between a signing </a:t>
+            </a:r>
+            <a:r>
+              <a:rPr lang="en-US" b="1" dirty="0" smtClean="0">
                 <a:latin typeface="Arial" pitchFamily="34" charset="0"/>
               </a:rPr>
-              <a:t>The signature is inserted into the RFC 5322 message as an additional header entry, starting with the keyword Dkim-Signature. Before a message is signed, a process known as canonicalization is performed on both the header and body of the RFC 5322 message. Canonicalization is necessary to deal with the possibility of minor changes in the message made en route. The signature includes a number of fields, as listed in the text.</a:t>
+              <a:t>Administrative Management Domai</a:t>
+            </a:r>
+            <a:r>
+              <a:rPr lang="en-US" dirty="0" smtClean="0">
+                <a:latin typeface="Arial" pitchFamily="34" charset="0"/>
+              </a:rPr>
+              <a:t>n (ADMD) and a verifying ADMD. Signing is performed by an authorized module within the signing ADMD and uses private information from a Key Store. Verifying is performed by an authorized module within the verifying ADMD. The module verifies the signature or determines whether a particular signature was required. Verifying the signature uses public information from the Key Store. If the signature passes, reputation information is used to assess the signer and that information is passed to the message filtering system. If the signature fails or there is no signature using the author's domain, information about signing practices related to the author can be retrieved remotely and/or locally, and that information is passed to the message filtering system. </a:t>
+            </a:r>
+          </a:p>
+          <a:p>
+            <a:r>
+              <a:rPr lang="en-US" dirty="0" smtClean="0">
+                <a:latin typeface="Arial" pitchFamily="34" charset="0"/>
+              </a:rPr>
+              <a:t>The signature is inserted into the RFC 5322 message as an additional header entry, starting with the keyword </a:t>
+            </a:r>
+            <a:r>
+              <a:rPr lang="en-US" dirty="0" err="1" smtClean="0">
+                <a:latin typeface="Arial" pitchFamily="34" charset="0"/>
+              </a:rPr>
+              <a:t>Dkim</a:t>
+            </a:r>
+            <a:r>
+              <a:rPr lang="en-US" dirty="0" smtClean="0">
+                <a:latin typeface="Arial" pitchFamily="34" charset="0"/>
+              </a:rPr>
+              <a:t>-Signature. Before a message is signed, a process known as canonicalization is performed on both the header and body of the RFC 5322 message. Canonicalization is necessary to deal with the possibility of minor changes in the message made en route. The signature includes a number of fields, as listed in the text.</a:t>
             </a:r>
           </a:p>
         </p:txBody>
@@ -3680,22 +3803,34 @@
           <a:p>
             <a:pPr eaLnBrk="1" hangingPunct="1"/>
             <a:r>
-              <a:rPr lang="en-US" smtClean="0">
+              <a:rPr lang="en-US" dirty="0" smtClean="0">
                 <a:latin typeface="Arial" pitchFamily="34" charset="0"/>
               </a:rPr>
               <a:t>The </a:t>
             </a:r>
             <a:r>
-              <a:rPr lang="en-AU" smtClean="0">
+              <a:rPr lang="en-AU" dirty="0" smtClean="0">
                 <a:latin typeface="Arial" pitchFamily="34" charset="0"/>
               </a:rPr>
               <a:t>Pretty Good Privacy (PGP) secure email program,</a:t>
             </a:r>
             <a:r>
-              <a:rPr lang="en-US" smtClean="0">
+              <a:rPr lang="en-US" dirty="0" smtClean="0">
                 <a:latin typeface="Arial" pitchFamily="34" charset="0"/>
               </a:rPr>
-              <a:t> is a remarkable phenomenon, has grown explosively and is now widely used. Largely the effort of a single person, Phil Zimmermann, who selected the best available crypto algorithms to use &amp; integrated them into a single program, PGP provides a confidentiality and authentication service that can be used for electronic mail and file storage applications. It runs on a wide range of systems, in both free &amp; commercial versions.</a:t>
+              <a:t> is a remarkable phenomenon, has grown explosively and is now widely used. Largely the effort of a single person, Phil Zimmermann, who selected the best available crypto algorithms to use &amp; integrated them into a single program, </a:t>
+            </a:r>
+            <a:r>
+              <a:rPr lang="en-US" b="1" dirty="0" smtClean="0">
+                <a:latin typeface="Arial" pitchFamily="34" charset="0"/>
+              </a:rPr>
+              <a:t>PGP provides a confidentiality and authentication service that can be used for electronic mail and file storage applications. </a:t>
+            </a:r>
+            <a:r>
+              <a:rPr lang="en-US" dirty="0" smtClean="0">
+                <a:latin typeface="Arial" pitchFamily="34" charset="0"/>
+              </a:rPr>
+              <a:t>It runs on a wide range of systems, in both free &amp; commercial versions.</a:t>
             </a:r>
           </a:p>
         </p:txBody>
@@ -3790,10 +3925,34 @@
           <a:p>
             <a:pPr eaLnBrk="1" hangingPunct="1"/>
             <a:r>
-              <a:rPr lang="en-US" smtClean="0">
+              <a:rPr lang="en-US" dirty="0" smtClean="0">
                 <a:latin typeface="Arial" pitchFamily="34" charset="0"/>
               </a:rPr>
-              <a:t>The actual operation of PGP, as opposed to the management of keys, consists of four services: authentication, confidentiality, compression, and e-mail compatibility. Stallings Figure 18.1a illustrates the digital signature service provided by PGP. This is the digital signature scheme discussed in Chapter 13 and illustrated in Figure 13.2. The sequence is as listed. Note this assumes use of RSA digital signatures, created using the sender's private key, and verified with the sender's public key. Recent PGP versions also support the use of DSS signatures. Signatures can also be detached from a message/file and sent/stored separately. This can be useful to maintain a separate signature log of all messages sent or received; or on an executable program to detect subsequent virus infection, or when more than one party must sign a document.</a:t>
+              <a:t>The actual operation of PGP, as opposed to the management of keys, consists of four services</a:t>
+            </a:r>
+            <a:r>
+              <a:rPr lang="en-US" b="1" dirty="0" smtClean="0">
+                <a:latin typeface="Arial" pitchFamily="34" charset="0"/>
+              </a:rPr>
+              <a:t>: authentication, confidentiality, compression, and e-mail compatibility</a:t>
+            </a:r>
+            <a:r>
+              <a:rPr lang="en-US" dirty="0" smtClean="0">
+                <a:latin typeface="Arial" pitchFamily="34" charset="0"/>
+              </a:rPr>
+              <a:t>. Stallings Figure 18.1a illustrates the digital signature service provided by PGP. This is the digital signature scheme discussed in Chapter 13 and illustrated in Figure 13.2. The sequence is as listed. Note this </a:t>
+            </a:r>
+            <a:r>
+              <a:rPr lang="en-US" b="1" dirty="0" smtClean="0">
+                <a:latin typeface="Arial" pitchFamily="34" charset="0"/>
+              </a:rPr>
+              <a:t>assumes use of RSA digital signatures</a:t>
+            </a:r>
+            <a:r>
+              <a:rPr lang="en-US" dirty="0" smtClean="0">
+                <a:latin typeface="Arial" pitchFamily="34" charset="0"/>
+              </a:rPr>
+              <a:t>, created using the sender's private key, and verified with the sender's public key. Recent PGP versions also support the use of DSS signatures. Signatures can also be detached from a message/file and sent/stored separately. This can be useful to maintain a separate signature log of all messages sent or received; or on an executable program to detect subsequent virus infection, or when more than one party must sign a document.</a:t>
             </a:r>
           </a:p>
         </p:txBody>
@@ -3986,22 +4145,88 @@
           <a:p>
             <a:pPr eaLnBrk="1" hangingPunct="1"/>
             <a:r>
-              <a:rPr lang="en-US" smtClean="0">
+              <a:rPr lang="en-US" dirty="0" smtClean="0">
                 <a:latin typeface="Arial" pitchFamily="34" charset="0"/>
               </a:rPr>
               <a:t>As Stallings Figure 18.1c illustrates, both </a:t>
             </a:r>
             <a:r>
-              <a:rPr lang="en-US" sz="1000" smtClean="0">
+              <a:rPr lang="en-US" sz="1000" dirty="0" smtClean="0">
                 <a:latin typeface="Arial" pitchFamily="34" charset="0"/>
               </a:rPr>
               <a:t>confidentiality &amp; authentication </a:t>
             </a:r>
             <a:r>
-              <a:rPr lang="en-US" smtClean="0">
+              <a:rPr lang="en-US" dirty="0" smtClean="0">
                 <a:latin typeface="Arial" pitchFamily="34" charset="0"/>
               </a:rPr>
-              <a:t>services may be used for the same message. Firstly a signature is generated for the plaintext message and prepended to the it. Then the plaintext message plus signature is encrypted using CAST-128 (or IDEA or 3DES), and the session key is encrypted using RSA (or ElGamal). This sequence is preferable to the opposite: encrypting the message and then generating a signature for the encrypted message. It is generally more convenient to store a signature with a plaintext version of a message. Furthermore, for purposes of third-party verification, if the signature is performed first, a third party need not be concerned with the symmetric key when verifying the signature.  In summary, when both services are used, the sender first signs the message with its own private key, then encrypts the message with a session key, and then encrypts the session key with the recipient's public key. </a:t>
+              <a:t>services may be used for the same message. Firstly a signature is generated for the plaintext message and prepended to </a:t>
+            </a:r>
+            <a:r>
+              <a:rPr lang="en-US" dirty="0" smtClean="0">
+                <a:latin typeface="Arial" pitchFamily="34" charset="0"/>
+              </a:rPr>
+              <a:t>it</a:t>
+            </a:r>
+            <a:r>
+              <a:rPr lang="en-US" dirty="0" smtClean="0">
+                <a:latin typeface="Arial" pitchFamily="34" charset="0"/>
+              </a:rPr>
+              <a:t>. Then the plaintext message plus signature is </a:t>
+            </a:r>
+            <a:r>
+              <a:rPr lang="en-US" b="1" dirty="0" smtClean="0">
+                <a:latin typeface="Arial" pitchFamily="34" charset="0"/>
+              </a:rPr>
+              <a:t>encrypted using CAST-128 (or IDEA or 3DES), </a:t>
+            </a:r>
+            <a:r>
+              <a:rPr lang="en-US" dirty="0" smtClean="0">
+                <a:latin typeface="Arial" pitchFamily="34" charset="0"/>
+              </a:rPr>
+              <a:t>and the </a:t>
+            </a:r>
+            <a:r>
+              <a:rPr lang="en-US" b="1" dirty="0" smtClean="0">
+                <a:latin typeface="Arial" pitchFamily="34" charset="0"/>
+              </a:rPr>
+              <a:t>session key is encrypted using RSA (or </a:t>
+            </a:r>
+            <a:r>
+              <a:rPr lang="en-US" b="1" dirty="0" err="1" smtClean="0">
+                <a:latin typeface="Arial" pitchFamily="34" charset="0"/>
+              </a:rPr>
+              <a:t>ElGamal</a:t>
+            </a:r>
+            <a:r>
+              <a:rPr lang="en-US" dirty="0" smtClean="0">
+                <a:latin typeface="Arial" pitchFamily="34" charset="0"/>
+              </a:rPr>
+              <a:t>). This sequence is </a:t>
+            </a:r>
+            <a:r>
+              <a:rPr lang="en-US" b="1" dirty="0" smtClean="0">
+                <a:latin typeface="Arial" pitchFamily="34" charset="0"/>
+              </a:rPr>
+              <a:t>preferable to the opposite: encrypting the message and then generating a signature for the encrypted message</a:t>
+            </a:r>
+            <a:r>
+              <a:rPr lang="en-US" dirty="0" smtClean="0">
+                <a:latin typeface="Arial" pitchFamily="34" charset="0"/>
+              </a:rPr>
+              <a:t>. It is generally more convenient to store a signature with a plaintext version of a message. Furthermore, for purposes of third-party verification, </a:t>
+            </a:r>
+            <a:r>
+              <a:rPr lang="en-US" b="1" dirty="0" smtClean="0">
+                <a:latin typeface="Arial" pitchFamily="34" charset="0"/>
+              </a:rPr>
+              <a:t>if the signature is performed first, a third party need not be concerned with the symmetric key when verifying the signature</a:t>
+            </a:r>
+            <a:r>
+              <a:rPr lang="en-US" dirty="0" smtClean="0">
+                <a:latin typeface="Arial" pitchFamily="34" charset="0"/>
+              </a:rPr>
+              <a:t>.  In summary, when both services are used, the sender first signs the message with its own private key, then encrypts the message with a session key, and then encrypts the session key with the recipient's public key. </a:t>
             </a:r>
           </a:p>
         </p:txBody>
